--- a/Presentations/Templates/SlideDeckBasicTemplate.pptx
+++ b/Presentations/Templates/SlideDeckBasicTemplate.pptx
@@ -210,7 +210,7 @@
           <a:p>
             <a:fld id="{D9ECFEF1-2E88-E646-A99D-93EC0DB2D22C}" type="datetimeFigureOut">
               <a:rPr lang="en-US" smtClean="0"/>
-              <a:t>5/11/16</a:t>
+              <a:t>5/31/16</a:t>
             </a:fld>
             <a:endParaRPr lang="en-US"/>
           </a:p>
@@ -835,7 +835,7 @@
           <a:p>
             <a:fld id="{C952E0D9-C4C6-B144-92E9-4E0D31DDAA26}" type="datetimeFigureOut">
               <a:rPr lang="en-US" smtClean="0"/>
-              <a:t>5/11/16</a:t>
+              <a:t>5/31/16</a:t>
             </a:fld>
             <a:endParaRPr lang="en-US"/>
           </a:p>
@@ -1005,7 +1005,7 @@
           <a:p>
             <a:fld id="{C952E0D9-C4C6-B144-92E9-4E0D31DDAA26}" type="datetimeFigureOut">
               <a:rPr lang="en-US" smtClean="0"/>
-              <a:t>5/11/16</a:t>
+              <a:t>5/31/16</a:t>
             </a:fld>
             <a:endParaRPr lang="en-US"/>
           </a:p>
@@ -1185,7 +1185,7 @@
           <a:p>
             <a:fld id="{C952E0D9-C4C6-B144-92E9-4E0D31DDAA26}" type="datetimeFigureOut">
               <a:rPr lang="en-US" smtClean="0"/>
-              <a:t>5/11/16</a:t>
+              <a:t>5/31/16</a:t>
             </a:fld>
             <a:endParaRPr lang="en-US"/>
           </a:p>
@@ -1355,7 +1355,7 @@
           <a:p>
             <a:fld id="{C952E0D9-C4C6-B144-92E9-4E0D31DDAA26}" type="datetimeFigureOut">
               <a:rPr lang="en-US" smtClean="0"/>
-              <a:t>5/11/16</a:t>
+              <a:t>5/31/16</a:t>
             </a:fld>
             <a:endParaRPr lang="en-US"/>
           </a:p>
@@ -1601,7 +1601,7 @@
           <a:p>
             <a:fld id="{C952E0D9-C4C6-B144-92E9-4E0D31DDAA26}" type="datetimeFigureOut">
               <a:rPr lang="en-US" smtClean="0"/>
-              <a:t>5/11/16</a:t>
+              <a:t>5/31/16</a:t>
             </a:fld>
             <a:endParaRPr lang="en-US"/>
           </a:p>
@@ -1889,7 +1889,7 @@
           <a:p>
             <a:fld id="{C952E0D9-C4C6-B144-92E9-4E0D31DDAA26}" type="datetimeFigureOut">
               <a:rPr lang="en-US" smtClean="0"/>
-              <a:t>5/11/16</a:t>
+              <a:t>5/31/16</a:t>
             </a:fld>
             <a:endParaRPr lang="en-US"/>
           </a:p>
@@ -2311,7 +2311,7 @@
           <a:p>
             <a:fld id="{C952E0D9-C4C6-B144-92E9-4E0D31DDAA26}" type="datetimeFigureOut">
               <a:rPr lang="en-US" smtClean="0"/>
-              <a:t>5/11/16</a:t>
+              <a:t>5/31/16</a:t>
             </a:fld>
             <a:endParaRPr lang="en-US"/>
           </a:p>
@@ -2429,7 +2429,7 @@
           <a:p>
             <a:fld id="{C952E0D9-C4C6-B144-92E9-4E0D31DDAA26}" type="datetimeFigureOut">
               <a:rPr lang="en-US" smtClean="0"/>
-              <a:t>5/11/16</a:t>
+              <a:t>5/31/16</a:t>
             </a:fld>
             <a:endParaRPr lang="en-US"/>
           </a:p>
@@ -2524,7 +2524,7 @@
           <a:p>
             <a:fld id="{C952E0D9-C4C6-B144-92E9-4E0D31DDAA26}" type="datetimeFigureOut">
               <a:rPr lang="en-US" smtClean="0"/>
-              <a:t>5/11/16</a:t>
+              <a:t>5/31/16</a:t>
             </a:fld>
             <a:endParaRPr lang="en-US"/>
           </a:p>
@@ -2801,7 +2801,7 @@
           <a:p>
             <a:fld id="{C952E0D9-C4C6-B144-92E9-4E0D31DDAA26}" type="datetimeFigureOut">
               <a:rPr lang="en-US" smtClean="0"/>
-              <a:t>5/11/16</a:t>
+              <a:t>5/31/16</a:t>
             </a:fld>
             <a:endParaRPr lang="en-US"/>
           </a:p>
@@ -3058,7 +3058,7 @@
           <a:p>
             <a:fld id="{C952E0D9-C4C6-B144-92E9-4E0D31DDAA26}" type="datetimeFigureOut">
               <a:rPr lang="en-US" smtClean="0"/>
-              <a:t>5/11/16</a:t>
+              <a:t>5/31/16</a:t>
             </a:fld>
             <a:endParaRPr lang="en-US"/>
           </a:p>
@@ -3274,7 +3274,7 @@
           <a:p>
             <a:fld id="{C952E0D9-C4C6-B144-92E9-4E0D31DDAA26}" type="datetimeFigureOut">
               <a:rPr lang="en-US" smtClean="0"/>
-              <a:t>5/11/16</a:t>
+              <a:t>5/31/16</a:t>
             </a:fld>
             <a:endParaRPr lang="en-US"/>
           </a:p>
@@ -3830,7 +3830,17 @@
                 <a:latin typeface="Gotham Book"/>
                 <a:cs typeface="Gotham Book"/>
               </a:rPr>
-              <a:t>Northeastern University Library</a:t>
+              <a:t>Northeastern University </a:t>
+            </a:r>
+            <a:r>
+              <a:rPr lang="en-US" sz="1400" dirty="0" smtClean="0">
+                <a:solidFill>
+                  <a:srgbClr val="26374B"/>
+                </a:solidFill>
+                <a:latin typeface="Gotham Book"/>
+                <a:cs typeface="Gotham Book"/>
+              </a:rPr>
+              <a:t>Libraries</a:t>
             </a:r>
             <a:endParaRPr lang="en-US" sz="1400" dirty="0">
               <a:solidFill>
@@ -3979,6 +3989,14 @@
 <file path=ppt/slides/slide3.xml><?xml version="1.0" encoding="utf-8"?>
 <p:sld xmlns:a="http://schemas.openxmlformats.org/drawingml/2006/main" xmlns:r="http://schemas.openxmlformats.org/officeDocument/2006/relationships" xmlns:p="http://schemas.openxmlformats.org/presentationml/2006/main">
   <p:cSld>
+    <p:bg>
+      <p:bgPr>
+        <a:solidFill>
+          <a:srgbClr val="E8EEED"/>
+        </a:solidFill>
+        <a:effectLst/>
+      </p:bgPr>
+    </p:bg>
     <p:spTree>
       <p:nvGrpSpPr>
         <p:cNvPr id="1" name=""/>
@@ -4174,7 +4192,17 @@
                 <a:latin typeface="Gotham Book"/>
                 <a:cs typeface="Gotham Book"/>
               </a:rPr>
-              <a:t>Northeastern University Library</a:t>
+              <a:t>Northeastern University </a:t>
+            </a:r>
+            <a:r>
+              <a:rPr lang="en-US" sz="1400" dirty="0" smtClean="0">
+                <a:solidFill>
+                  <a:srgbClr val="26374B"/>
+                </a:solidFill>
+                <a:latin typeface="Gotham Book"/>
+                <a:cs typeface="Gotham Book"/>
+              </a:rPr>
+              <a:t>Libraries</a:t>
             </a:r>
             <a:endParaRPr lang="en-US" sz="1400" dirty="0">
               <a:solidFill>
